--- a/IFES Vorlage.pptx
+++ b/IFES Vorlage.pptx
@@ -7929,6 +7929,14 @@
                 </a:solidFill>
               </a:rPr>
             </a:br>
+            <a:r>
+              <a:rPr lang="de-DE" altLang="de-DE" sz="2800" b="0" dirty="0">
+                <a:solidFill>
+                  <a:schemeClr val="hlink"/>
+                </a:solidFill>
+              </a:rPr>
+              <a:t/>
+            </a:r>
             <a:br>
               <a:rPr lang="de-DE" altLang="de-DE" sz="2800" b="0" dirty="0">
                 <a:solidFill>
@@ -9450,6 +9458,14 @@
   <p:clrMapOvr>
     <a:masterClrMapping/>
   </p:clrMapOvr>
+  <mc:AlternateContent xmlns:mc="http://schemas.openxmlformats.org/markup-compatibility/2006">
+    <mc:Choice xmlns:p14="http://schemas.microsoft.com/office/powerpoint/2010/main" Requires="p14">
+      <p:transition spd="slow" p14:dur="2000"/>
+    </mc:Choice>
+    <mc:Fallback>
+      <p:transition spd="slow"/>
+    </mc:Fallback>
+  </mc:AlternateContent>
   <p:timing>
     <p:tnLst>
       <p:par>
@@ -10518,6 +10534,14 @@
   <p:clrMapOvr>
     <a:masterClrMapping/>
   </p:clrMapOvr>
+  <mc:AlternateContent xmlns:mc="http://schemas.openxmlformats.org/markup-compatibility/2006">
+    <mc:Choice xmlns:p14="http://schemas.microsoft.com/office/powerpoint/2010/main" Requires="p14">
+      <p:transition spd="slow" p14:dur="2000"/>
+    </mc:Choice>
+    <mc:Fallback>
+      <p:transition spd="slow"/>
+    </mc:Fallback>
+  </mc:AlternateContent>
   <p:timing>
     <p:tnLst>
       <p:par>
@@ -12627,6 +12651,14 @@
   <p:clrMapOvr>
     <a:masterClrMapping/>
   </p:clrMapOvr>
+  <mc:AlternateContent xmlns:mc="http://schemas.openxmlformats.org/markup-compatibility/2006">
+    <mc:Choice xmlns:p14="http://schemas.microsoft.com/office/powerpoint/2010/main" Requires="p14">
+      <p:transition spd="slow" p14:dur="2000"/>
+    </mc:Choice>
+    <mc:Fallback>
+      <p:transition spd="slow"/>
+    </mc:Fallback>
+  </mc:AlternateContent>
 </p:sld>
 </file>
 
@@ -12673,14 +12705,14 @@
                 <a:gridCol w="503237">
                   <a:extLst>
                     <a:ext uri="{9D8B030D-6E8A-4147-A177-3AD203B41FA5}">
-                      <a16:colId xmlns:a16="http://schemas.microsoft.com/office/drawing/2014/main" val="20000"/>
+                      <a16:colId xmlns:a16="http://schemas.microsoft.com/office/drawing/2014/main" xmlns="" val="20000"/>
                     </a:ext>
                   </a:extLst>
                 </a:gridCol>
                 <a:gridCol w="7726363">
                   <a:extLst>
                     <a:ext uri="{9D8B030D-6E8A-4147-A177-3AD203B41FA5}">
-                      <a16:colId xmlns:a16="http://schemas.microsoft.com/office/drawing/2014/main" val="20001"/>
+                      <a16:colId xmlns:a16="http://schemas.microsoft.com/office/drawing/2014/main" xmlns="" val="20001"/>
                     </a:ext>
                   </a:extLst>
                 </a:gridCol>
@@ -13094,7 +13126,7 @@
                 </a:tc>
                 <a:extLst>
                   <a:ext uri="{0D108BD9-81ED-4DB2-BD59-A6C34878D82A}">
-                    <a16:rowId xmlns:a16="http://schemas.microsoft.com/office/drawing/2014/main" val="10000"/>
+                    <a16:rowId xmlns:a16="http://schemas.microsoft.com/office/drawing/2014/main" xmlns="" val="10000"/>
                   </a:ext>
                 </a:extLst>
               </a:tr>
@@ -13503,7 +13535,7 @@
                 </a:tc>
                 <a:extLst>
                   <a:ext uri="{0D108BD9-81ED-4DB2-BD59-A6C34878D82A}">
-                    <a16:rowId xmlns:a16="http://schemas.microsoft.com/office/drawing/2014/main" val="10001"/>
+                    <a16:rowId xmlns:a16="http://schemas.microsoft.com/office/drawing/2014/main" xmlns="" val="10001"/>
                   </a:ext>
                 </a:extLst>
               </a:tr>
@@ -13902,7 +13934,7 @@
                 </a:tc>
                 <a:extLst>
                   <a:ext uri="{0D108BD9-81ED-4DB2-BD59-A6C34878D82A}">
-                    <a16:rowId xmlns:a16="http://schemas.microsoft.com/office/drawing/2014/main" val="10002"/>
+                    <a16:rowId xmlns:a16="http://schemas.microsoft.com/office/drawing/2014/main" xmlns="" val="10002"/>
                   </a:ext>
                 </a:extLst>
               </a:tr>
@@ -14301,7 +14333,7 @@
                 </a:tc>
                 <a:extLst>
                   <a:ext uri="{0D108BD9-81ED-4DB2-BD59-A6C34878D82A}">
-                    <a16:rowId xmlns:a16="http://schemas.microsoft.com/office/drawing/2014/main" val="10003"/>
+                    <a16:rowId xmlns:a16="http://schemas.microsoft.com/office/drawing/2014/main" xmlns="" val="10003"/>
                   </a:ext>
                 </a:extLst>
               </a:tr>
@@ -14474,7 +14506,7 @@
                 </a:tc>
                 <a:extLst>
                   <a:ext uri="{0D108BD9-81ED-4DB2-BD59-A6C34878D82A}">
-                    <a16:rowId xmlns:a16="http://schemas.microsoft.com/office/drawing/2014/main" val="10004"/>
+                    <a16:rowId xmlns:a16="http://schemas.microsoft.com/office/drawing/2014/main" xmlns="" val="10004"/>
                   </a:ext>
                 </a:extLst>
               </a:tr>
@@ -14647,7 +14679,7 @@
                 </a:tc>
                 <a:extLst>
                   <a:ext uri="{0D108BD9-81ED-4DB2-BD59-A6C34878D82A}">
-                    <a16:rowId xmlns:a16="http://schemas.microsoft.com/office/drawing/2014/main" val="10005"/>
+                    <a16:rowId xmlns:a16="http://schemas.microsoft.com/office/drawing/2014/main" xmlns="" val="10005"/>
                   </a:ext>
                 </a:extLst>
               </a:tr>
@@ -15263,6 +15295,14 @@
   <p:clrMapOvr>
     <a:masterClrMapping/>
   </p:clrMapOvr>
+  <mc:AlternateContent xmlns:mc="http://schemas.openxmlformats.org/markup-compatibility/2006">
+    <mc:Choice xmlns:p14="http://schemas.microsoft.com/office/powerpoint/2010/main" Requires="p14">
+      <p:transition spd="slow" p14:dur="2000"/>
+    </mc:Choice>
+    <mc:Fallback>
+      <p:transition spd="slow"/>
+    </mc:Fallback>
+  </mc:AlternateContent>
   <p:timing>
     <p:tnLst>
       <p:par>
@@ -16100,12 +16140,12 @@
               <a:t>  	Anpassungen von Personen ohne Programmierkenntnissen </a:t>
             </a:r>
             <a:r>
-              <a:rPr lang="de-DE" altLang="de-DE" b="0" dirty="0" err="1">
+              <a:rPr lang="de-DE" altLang="de-DE" b="0" dirty="0" smtClean="0">
                 <a:solidFill>
                   <a:schemeClr val="tx1"/>
                 </a:solidFill>
               </a:rPr>
-              <a:t>ertsellen</a:t>
+              <a:t>erstellen</a:t>
             </a:r>
             <a:r>
               <a:rPr lang="de-DE" altLang="de-DE" b="0" dirty="0">
@@ -16226,6 +16266,14 @@
   <p:clrMapOvr>
     <a:masterClrMapping/>
   </p:clrMapOvr>
+  <mc:AlternateContent xmlns:mc="http://schemas.openxmlformats.org/markup-compatibility/2006">
+    <mc:Choice xmlns:p14="http://schemas.microsoft.com/office/powerpoint/2010/main" Requires="p14">
+      <p:transition spd="slow" p14:dur="2000"/>
+    </mc:Choice>
+    <mc:Fallback>
+      <p:transition spd="slow"/>
+    </mc:Fallback>
+  </mc:AlternateContent>
   <p:timing>
     <p:tnLst>
       <p:par>
@@ -16506,14 +16554,14 @@
                 <a:gridCol w="503237">
                   <a:extLst>
                     <a:ext uri="{9D8B030D-6E8A-4147-A177-3AD203B41FA5}">
-                      <a16:colId xmlns:a16="http://schemas.microsoft.com/office/drawing/2014/main" val="20000"/>
+                      <a16:colId xmlns:a16="http://schemas.microsoft.com/office/drawing/2014/main" xmlns="" val="20000"/>
                     </a:ext>
                   </a:extLst>
                 </a:gridCol>
                 <a:gridCol w="7726363">
                   <a:extLst>
                     <a:ext uri="{9D8B030D-6E8A-4147-A177-3AD203B41FA5}">
-                      <a16:colId xmlns:a16="http://schemas.microsoft.com/office/drawing/2014/main" val="20001"/>
+                      <a16:colId xmlns:a16="http://schemas.microsoft.com/office/drawing/2014/main" xmlns="" val="20001"/>
                     </a:ext>
                   </a:extLst>
                 </a:gridCol>
@@ -16925,7 +16973,7 @@
                 </a:tc>
                 <a:extLst>
                   <a:ext uri="{0D108BD9-81ED-4DB2-BD59-A6C34878D82A}">
-                    <a16:rowId xmlns:a16="http://schemas.microsoft.com/office/drawing/2014/main" val="10000"/>
+                    <a16:rowId xmlns:a16="http://schemas.microsoft.com/office/drawing/2014/main" xmlns="" val="10000"/>
                   </a:ext>
                 </a:extLst>
               </a:tr>
@@ -17338,7 +17386,7 @@
                 </a:tc>
                 <a:extLst>
                   <a:ext uri="{0D108BD9-81ED-4DB2-BD59-A6C34878D82A}">
-                    <a16:rowId xmlns:a16="http://schemas.microsoft.com/office/drawing/2014/main" val="10001"/>
+                    <a16:rowId xmlns:a16="http://schemas.microsoft.com/office/drawing/2014/main" xmlns="" val="10001"/>
                   </a:ext>
                 </a:extLst>
               </a:tr>
@@ -17737,7 +17785,7 @@
                 </a:tc>
                 <a:extLst>
                   <a:ext uri="{0D108BD9-81ED-4DB2-BD59-A6C34878D82A}">
-                    <a16:rowId xmlns:a16="http://schemas.microsoft.com/office/drawing/2014/main" val="10002"/>
+                    <a16:rowId xmlns:a16="http://schemas.microsoft.com/office/drawing/2014/main" xmlns="" val="10002"/>
                   </a:ext>
                 </a:extLst>
               </a:tr>
@@ -18136,7 +18184,7 @@
                 </a:tc>
                 <a:extLst>
                   <a:ext uri="{0D108BD9-81ED-4DB2-BD59-A6C34878D82A}">
-                    <a16:rowId xmlns:a16="http://schemas.microsoft.com/office/drawing/2014/main" val="10003"/>
+                    <a16:rowId xmlns:a16="http://schemas.microsoft.com/office/drawing/2014/main" xmlns="" val="10003"/>
                   </a:ext>
                 </a:extLst>
               </a:tr>
@@ -18309,7 +18357,7 @@
                 </a:tc>
                 <a:extLst>
                   <a:ext uri="{0D108BD9-81ED-4DB2-BD59-A6C34878D82A}">
-                    <a16:rowId xmlns:a16="http://schemas.microsoft.com/office/drawing/2014/main" val="10004"/>
+                    <a16:rowId xmlns:a16="http://schemas.microsoft.com/office/drawing/2014/main" xmlns="" val="10004"/>
                   </a:ext>
                 </a:extLst>
               </a:tr>
@@ -18482,7 +18530,7 @@
                 </a:tc>
                 <a:extLst>
                   <a:ext uri="{0D108BD9-81ED-4DB2-BD59-A6C34878D82A}">
-                    <a16:rowId xmlns:a16="http://schemas.microsoft.com/office/drawing/2014/main" val="10005"/>
+                    <a16:rowId xmlns:a16="http://schemas.microsoft.com/office/drawing/2014/main" xmlns="" val="10005"/>
                   </a:ext>
                 </a:extLst>
               </a:tr>
@@ -18572,14 +18620,14 @@
                 <a:gridCol w="503237">
                   <a:extLst>
                     <a:ext uri="{9D8B030D-6E8A-4147-A177-3AD203B41FA5}">
-                      <a16:colId xmlns:a16="http://schemas.microsoft.com/office/drawing/2014/main" val="20000"/>
+                      <a16:colId xmlns:a16="http://schemas.microsoft.com/office/drawing/2014/main" xmlns="" val="20000"/>
                     </a:ext>
                   </a:extLst>
                 </a:gridCol>
                 <a:gridCol w="7726363">
                   <a:extLst>
                     <a:ext uri="{9D8B030D-6E8A-4147-A177-3AD203B41FA5}">
-                      <a16:colId xmlns:a16="http://schemas.microsoft.com/office/drawing/2014/main" val="20001"/>
+                      <a16:colId xmlns:a16="http://schemas.microsoft.com/office/drawing/2014/main" xmlns="" val="20001"/>
                     </a:ext>
                   </a:extLst>
                 </a:gridCol>
@@ -18991,7 +19039,7 @@
                 </a:tc>
                 <a:extLst>
                   <a:ext uri="{0D108BD9-81ED-4DB2-BD59-A6C34878D82A}">
-                    <a16:rowId xmlns:a16="http://schemas.microsoft.com/office/drawing/2014/main" val="10000"/>
+                    <a16:rowId xmlns:a16="http://schemas.microsoft.com/office/drawing/2014/main" xmlns="" val="10000"/>
                   </a:ext>
                 </a:extLst>
               </a:tr>
@@ -19400,7 +19448,7 @@
                 </a:tc>
                 <a:extLst>
                   <a:ext uri="{0D108BD9-81ED-4DB2-BD59-A6C34878D82A}">
-                    <a16:rowId xmlns:a16="http://schemas.microsoft.com/office/drawing/2014/main" val="10001"/>
+                    <a16:rowId xmlns:a16="http://schemas.microsoft.com/office/drawing/2014/main" xmlns="" val="10001"/>
                   </a:ext>
                 </a:extLst>
               </a:tr>
@@ -19803,7 +19851,7 @@
                 </a:tc>
                 <a:extLst>
                   <a:ext uri="{0D108BD9-81ED-4DB2-BD59-A6C34878D82A}">
-                    <a16:rowId xmlns:a16="http://schemas.microsoft.com/office/drawing/2014/main" val="10002"/>
+                    <a16:rowId xmlns:a16="http://schemas.microsoft.com/office/drawing/2014/main" xmlns="" val="10002"/>
                   </a:ext>
                 </a:extLst>
               </a:tr>
@@ -20202,7 +20250,7 @@
                 </a:tc>
                 <a:extLst>
                   <a:ext uri="{0D108BD9-81ED-4DB2-BD59-A6C34878D82A}">
-                    <a16:rowId xmlns:a16="http://schemas.microsoft.com/office/drawing/2014/main" val="10003"/>
+                    <a16:rowId xmlns:a16="http://schemas.microsoft.com/office/drawing/2014/main" xmlns="" val="10003"/>
                   </a:ext>
                 </a:extLst>
               </a:tr>
@@ -20375,7 +20423,7 @@
                 </a:tc>
                 <a:extLst>
                   <a:ext uri="{0D108BD9-81ED-4DB2-BD59-A6C34878D82A}">
-                    <a16:rowId xmlns:a16="http://schemas.microsoft.com/office/drawing/2014/main" val="10004"/>
+                    <a16:rowId xmlns:a16="http://schemas.microsoft.com/office/drawing/2014/main" xmlns="" val="10004"/>
                   </a:ext>
                 </a:extLst>
               </a:tr>
@@ -20548,7 +20596,7 @@
                 </a:tc>
                 <a:extLst>
                   <a:ext uri="{0D108BD9-81ED-4DB2-BD59-A6C34878D82A}">
-                    <a16:rowId xmlns:a16="http://schemas.microsoft.com/office/drawing/2014/main" val="10005"/>
+                    <a16:rowId xmlns:a16="http://schemas.microsoft.com/office/drawing/2014/main" xmlns="" val="10005"/>
                   </a:ext>
                 </a:extLst>
               </a:tr>
@@ -20638,14 +20686,14 @@
                 <a:gridCol w="503237">
                   <a:extLst>
                     <a:ext uri="{9D8B030D-6E8A-4147-A177-3AD203B41FA5}">
-                      <a16:colId xmlns:a16="http://schemas.microsoft.com/office/drawing/2014/main" val="20000"/>
+                      <a16:colId xmlns:a16="http://schemas.microsoft.com/office/drawing/2014/main" xmlns="" val="20000"/>
                     </a:ext>
                   </a:extLst>
                 </a:gridCol>
                 <a:gridCol w="7726363">
                   <a:extLst>
                     <a:ext uri="{9D8B030D-6E8A-4147-A177-3AD203B41FA5}">
-                      <a16:colId xmlns:a16="http://schemas.microsoft.com/office/drawing/2014/main" val="20001"/>
+                      <a16:colId xmlns:a16="http://schemas.microsoft.com/office/drawing/2014/main" xmlns="" val="20001"/>
                     </a:ext>
                   </a:extLst>
                 </a:gridCol>
@@ -21057,7 +21105,7 @@
                 </a:tc>
                 <a:extLst>
                   <a:ext uri="{0D108BD9-81ED-4DB2-BD59-A6C34878D82A}">
-                    <a16:rowId xmlns:a16="http://schemas.microsoft.com/office/drawing/2014/main" val="10000"/>
+                    <a16:rowId xmlns:a16="http://schemas.microsoft.com/office/drawing/2014/main" xmlns="" val="10000"/>
                   </a:ext>
                 </a:extLst>
               </a:tr>
@@ -21466,7 +21514,7 @@
                 </a:tc>
                 <a:extLst>
                   <a:ext uri="{0D108BD9-81ED-4DB2-BD59-A6C34878D82A}">
-                    <a16:rowId xmlns:a16="http://schemas.microsoft.com/office/drawing/2014/main" val="10001"/>
+                    <a16:rowId xmlns:a16="http://schemas.microsoft.com/office/drawing/2014/main" xmlns="" val="10001"/>
                   </a:ext>
                 </a:extLst>
               </a:tr>
@@ -21865,7 +21913,7 @@
                 </a:tc>
                 <a:extLst>
                   <a:ext uri="{0D108BD9-81ED-4DB2-BD59-A6C34878D82A}">
-                    <a16:rowId xmlns:a16="http://schemas.microsoft.com/office/drawing/2014/main" val="10002"/>
+                    <a16:rowId xmlns:a16="http://schemas.microsoft.com/office/drawing/2014/main" xmlns="" val="10002"/>
                   </a:ext>
                 </a:extLst>
               </a:tr>
@@ -22268,7 +22316,7 @@
                 </a:tc>
                 <a:extLst>
                   <a:ext uri="{0D108BD9-81ED-4DB2-BD59-A6C34878D82A}">
-                    <a16:rowId xmlns:a16="http://schemas.microsoft.com/office/drawing/2014/main" val="10003"/>
+                    <a16:rowId xmlns:a16="http://schemas.microsoft.com/office/drawing/2014/main" xmlns="" val="10003"/>
                   </a:ext>
                 </a:extLst>
               </a:tr>
@@ -22441,7 +22489,7 @@
                 </a:tc>
                 <a:extLst>
                   <a:ext uri="{0D108BD9-81ED-4DB2-BD59-A6C34878D82A}">
-                    <a16:rowId xmlns:a16="http://schemas.microsoft.com/office/drawing/2014/main" val="10004"/>
+                    <a16:rowId xmlns:a16="http://schemas.microsoft.com/office/drawing/2014/main" xmlns="" val="10004"/>
                   </a:ext>
                 </a:extLst>
               </a:tr>
@@ -22614,7 +22662,7 @@
                 </a:tc>
                 <a:extLst>
                   <a:ext uri="{0D108BD9-81ED-4DB2-BD59-A6C34878D82A}">
-                    <a16:rowId xmlns:a16="http://schemas.microsoft.com/office/drawing/2014/main" val="10005"/>
+                    <a16:rowId xmlns:a16="http://schemas.microsoft.com/office/drawing/2014/main" xmlns="" val="10005"/>
                   </a:ext>
                 </a:extLst>
               </a:tr>
@@ -22704,14 +22752,14 @@
                 <a:gridCol w="503237">
                   <a:extLst>
                     <a:ext uri="{9D8B030D-6E8A-4147-A177-3AD203B41FA5}">
-                      <a16:colId xmlns:a16="http://schemas.microsoft.com/office/drawing/2014/main" val="20000"/>
+                      <a16:colId xmlns:a16="http://schemas.microsoft.com/office/drawing/2014/main" xmlns="" val="20000"/>
                     </a:ext>
                   </a:extLst>
                 </a:gridCol>
                 <a:gridCol w="7726363">
                   <a:extLst>
                     <a:ext uri="{9D8B030D-6E8A-4147-A177-3AD203B41FA5}">
-                      <a16:colId xmlns:a16="http://schemas.microsoft.com/office/drawing/2014/main" val="20001"/>
+                      <a16:colId xmlns:a16="http://schemas.microsoft.com/office/drawing/2014/main" xmlns="" val="20001"/>
                     </a:ext>
                   </a:extLst>
                 </a:gridCol>
@@ -23123,7 +23171,7 @@
                 </a:tc>
                 <a:extLst>
                   <a:ext uri="{0D108BD9-81ED-4DB2-BD59-A6C34878D82A}">
-                    <a16:rowId xmlns:a16="http://schemas.microsoft.com/office/drawing/2014/main" val="10000"/>
+                    <a16:rowId xmlns:a16="http://schemas.microsoft.com/office/drawing/2014/main" xmlns="" val="10000"/>
                   </a:ext>
                 </a:extLst>
               </a:tr>
@@ -23532,7 +23580,7 @@
                 </a:tc>
                 <a:extLst>
                   <a:ext uri="{0D108BD9-81ED-4DB2-BD59-A6C34878D82A}">
-                    <a16:rowId xmlns:a16="http://schemas.microsoft.com/office/drawing/2014/main" val="10001"/>
+                    <a16:rowId xmlns:a16="http://schemas.microsoft.com/office/drawing/2014/main" xmlns="" val="10001"/>
                   </a:ext>
                 </a:extLst>
               </a:tr>
@@ -23931,7 +23979,7 @@
                 </a:tc>
                 <a:extLst>
                   <a:ext uri="{0D108BD9-81ED-4DB2-BD59-A6C34878D82A}">
-                    <a16:rowId xmlns:a16="http://schemas.microsoft.com/office/drawing/2014/main" val="10002"/>
+                    <a16:rowId xmlns:a16="http://schemas.microsoft.com/office/drawing/2014/main" xmlns="" val="10002"/>
                   </a:ext>
                 </a:extLst>
               </a:tr>
@@ -24330,7 +24378,7 @@
                 </a:tc>
                 <a:extLst>
                   <a:ext uri="{0D108BD9-81ED-4DB2-BD59-A6C34878D82A}">
-                    <a16:rowId xmlns:a16="http://schemas.microsoft.com/office/drawing/2014/main" val="10003"/>
+                    <a16:rowId xmlns:a16="http://schemas.microsoft.com/office/drawing/2014/main" xmlns="" val="10003"/>
                   </a:ext>
                 </a:extLst>
               </a:tr>
@@ -24507,7 +24555,7 @@
                 </a:tc>
                 <a:extLst>
                   <a:ext uri="{0D108BD9-81ED-4DB2-BD59-A6C34878D82A}">
-                    <a16:rowId xmlns:a16="http://schemas.microsoft.com/office/drawing/2014/main" val="10004"/>
+                    <a16:rowId xmlns:a16="http://schemas.microsoft.com/office/drawing/2014/main" xmlns="" val="10004"/>
                   </a:ext>
                 </a:extLst>
               </a:tr>
@@ -24680,7 +24728,7 @@
                 </a:tc>
                 <a:extLst>
                   <a:ext uri="{0D108BD9-81ED-4DB2-BD59-A6C34878D82A}">
-                    <a16:rowId xmlns:a16="http://schemas.microsoft.com/office/drawing/2014/main" val="10005"/>
+                    <a16:rowId xmlns:a16="http://schemas.microsoft.com/office/drawing/2014/main" xmlns="" val="10005"/>
                   </a:ext>
                 </a:extLst>
               </a:tr>
@@ -24770,14 +24818,14 @@
                 <a:gridCol w="503237">
                   <a:extLst>
                     <a:ext uri="{9D8B030D-6E8A-4147-A177-3AD203B41FA5}">
-                      <a16:colId xmlns:a16="http://schemas.microsoft.com/office/drawing/2014/main" val="20000"/>
+                      <a16:colId xmlns:a16="http://schemas.microsoft.com/office/drawing/2014/main" xmlns="" val="20000"/>
                     </a:ext>
                   </a:extLst>
                 </a:gridCol>
                 <a:gridCol w="7726363">
                   <a:extLst>
                     <a:ext uri="{9D8B030D-6E8A-4147-A177-3AD203B41FA5}">
-                      <a16:colId xmlns:a16="http://schemas.microsoft.com/office/drawing/2014/main" val="20001"/>
+                      <a16:colId xmlns:a16="http://schemas.microsoft.com/office/drawing/2014/main" xmlns="" val="20001"/>
                     </a:ext>
                   </a:extLst>
                 </a:gridCol>
@@ -25189,7 +25237,7 @@
                 </a:tc>
                 <a:extLst>
                   <a:ext uri="{0D108BD9-81ED-4DB2-BD59-A6C34878D82A}">
-                    <a16:rowId xmlns:a16="http://schemas.microsoft.com/office/drawing/2014/main" val="10000"/>
+                    <a16:rowId xmlns:a16="http://schemas.microsoft.com/office/drawing/2014/main" xmlns="" val="10000"/>
                   </a:ext>
                 </a:extLst>
               </a:tr>
@@ -25598,7 +25646,7 @@
                 </a:tc>
                 <a:extLst>
                   <a:ext uri="{0D108BD9-81ED-4DB2-BD59-A6C34878D82A}">
-                    <a16:rowId xmlns:a16="http://schemas.microsoft.com/office/drawing/2014/main" val="10001"/>
+                    <a16:rowId xmlns:a16="http://schemas.microsoft.com/office/drawing/2014/main" xmlns="" val="10001"/>
                   </a:ext>
                 </a:extLst>
               </a:tr>
@@ -25997,7 +26045,7 @@
                 </a:tc>
                 <a:extLst>
                   <a:ext uri="{0D108BD9-81ED-4DB2-BD59-A6C34878D82A}">
-                    <a16:rowId xmlns:a16="http://schemas.microsoft.com/office/drawing/2014/main" val="10002"/>
+                    <a16:rowId xmlns:a16="http://schemas.microsoft.com/office/drawing/2014/main" xmlns="" val="10002"/>
                   </a:ext>
                 </a:extLst>
               </a:tr>
@@ -26396,7 +26444,7 @@
                 </a:tc>
                 <a:extLst>
                   <a:ext uri="{0D108BD9-81ED-4DB2-BD59-A6C34878D82A}">
-                    <a16:rowId xmlns:a16="http://schemas.microsoft.com/office/drawing/2014/main" val="10003"/>
+                    <a16:rowId xmlns:a16="http://schemas.microsoft.com/office/drawing/2014/main" xmlns="" val="10003"/>
                   </a:ext>
                 </a:extLst>
               </a:tr>
@@ -26569,7 +26617,7 @@
                 </a:tc>
                 <a:extLst>
                   <a:ext uri="{0D108BD9-81ED-4DB2-BD59-A6C34878D82A}">
-                    <a16:rowId xmlns:a16="http://schemas.microsoft.com/office/drawing/2014/main" val="10004"/>
+                    <a16:rowId xmlns:a16="http://schemas.microsoft.com/office/drawing/2014/main" xmlns="" val="10004"/>
                   </a:ext>
                 </a:extLst>
               </a:tr>
@@ -26746,7 +26794,7 @@
                 </a:tc>
                 <a:extLst>
                   <a:ext uri="{0D108BD9-81ED-4DB2-BD59-A6C34878D82A}">
-                    <a16:rowId xmlns:a16="http://schemas.microsoft.com/office/drawing/2014/main" val="10005"/>
+                    <a16:rowId xmlns:a16="http://schemas.microsoft.com/office/drawing/2014/main" xmlns="" val="10005"/>
                   </a:ext>
                 </a:extLst>
               </a:tr>
